--- a/発表資料.pptx
+++ b/発表資料.pptx
@@ -7,9 +7,11 @@
   <p:sldIdLst>
     <p:sldId id="256" r:id="rId2"/>
     <p:sldId id="257" r:id="rId3"/>
-    <p:sldId id="258" r:id="rId4"/>
-    <p:sldId id="259" r:id="rId5"/>
+    <p:sldId id="259" r:id="rId4"/>
+    <p:sldId id="258" r:id="rId5"/>
     <p:sldId id="260" r:id="rId6"/>
+    <p:sldId id="261" r:id="rId7"/>
+    <p:sldId id="262" r:id="rId8"/>
   </p:sldIdLst>
   <p:sldSz cx="12192000" cy="6858000"/>
   <p:notesSz cx="6858000" cy="9144000"/>
@@ -108,6 +110,11 @@
       </a:defRPr>
     </a:lvl9pPr>
   </p:defaultTextStyle>
+  <p:extLst>
+    <p:ext uri="{EFAFB233-063F-42B5-8137-9DF3F51BA10A}">
+      <p15:sldGuideLst xmlns:p15="http://schemas.microsoft.com/office/powerpoint/2012/main"/>
+    </p:ext>
+  </p:extLst>
 </p:presentation>
 </file>
 
@@ -446,7 +453,7 @@
           <a:p>
             <a:fld id="{073ED0CC-082F-4160-86E5-0D6041F12778}" type="datetime1">
               <a:rPr lang="en-US" smtClean="0"/>
-              <a:t>1/21/2025</a:t>
+              <a:t>1/22/2025</a:t>
             </a:fld>
             <a:endParaRPr lang="en-US" dirty="0"/>
           </a:p>
@@ -1535,7 +1542,7 @@
           <a:p>
             <a:fld id="{073ED0CC-082F-4160-86E5-0D6041F12778}" type="datetime1">
               <a:rPr lang="en-US" smtClean="0"/>
-              <a:t>1/21/2025</a:t>
+              <a:t>1/22/2025</a:t>
             </a:fld>
             <a:endParaRPr lang="en-US" dirty="0"/>
           </a:p>
@@ -2516,7 +2523,7 @@
           <a:p>
             <a:fld id="{073ED0CC-082F-4160-86E5-0D6041F12778}" type="datetime1">
               <a:rPr lang="en-US" smtClean="0"/>
-              <a:t>1/21/2025</a:t>
+              <a:t>1/22/2025</a:t>
             </a:fld>
             <a:endParaRPr lang="en-US" dirty="0"/>
           </a:p>
@@ -3651,7 +3658,7 @@
           <a:p>
             <a:fld id="{073ED0CC-082F-4160-86E5-0D6041F12778}" type="datetime1">
               <a:rPr lang="en-US" smtClean="0"/>
-              <a:t>1/21/2025</a:t>
+              <a:t>1/22/2025</a:t>
             </a:fld>
             <a:endParaRPr lang="en-US" dirty="0"/>
           </a:p>
@@ -4685,7 +4692,7 @@
           <a:p>
             <a:fld id="{073ED0CC-082F-4160-86E5-0D6041F12778}" type="datetime1">
               <a:rPr lang="en-US" smtClean="0"/>
-              <a:t>1/21/2025</a:t>
+              <a:t>1/22/2025</a:t>
             </a:fld>
             <a:endParaRPr lang="en-US" dirty="0"/>
           </a:p>
@@ -5346,7 +5353,7 @@
           <a:p>
             <a:fld id="{073ED0CC-082F-4160-86E5-0D6041F12778}" type="datetime1">
               <a:rPr lang="en-US" smtClean="0"/>
-              <a:t>1/21/2025</a:t>
+              <a:t>1/22/2025</a:t>
             </a:fld>
             <a:endParaRPr lang="en-US" dirty="0"/>
           </a:p>
@@ -6208,7 +6215,7 @@
           <a:p>
             <a:fld id="{073ED0CC-082F-4160-86E5-0D6041F12778}" type="datetime1">
               <a:rPr lang="en-US" smtClean="0"/>
-              <a:t>1/21/2025</a:t>
+              <a:t>1/22/2025</a:t>
             </a:fld>
             <a:endParaRPr lang="en-US" dirty="0"/>
           </a:p>
@@ -6431,7 +6438,7 @@
           <a:p>
             <a:fld id="{073ED0CC-082F-4160-86E5-0D6041F12778}" type="datetime1">
               <a:rPr lang="en-US" smtClean="0"/>
-              <a:t>1/21/2025</a:t>
+              <a:t>1/22/2025</a:t>
             </a:fld>
             <a:endParaRPr lang="en-US" dirty="0"/>
           </a:p>
@@ -7436,7 +7443,7 @@
           <a:p>
             <a:fld id="{073ED0CC-082F-4160-86E5-0D6041F12778}" type="datetime1">
               <a:rPr lang="en-US" smtClean="0"/>
-              <a:t>1/21/2025</a:t>
+              <a:t>1/22/2025</a:t>
             </a:fld>
             <a:endParaRPr lang="en-US" dirty="0"/>
           </a:p>
@@ -7680,7 +7687,7 @@
           <a:p>
             <a:fld id="{073ED0CC-082F-4160-86E5-0D6041F12778}" type="datetime1">
               <a:rPr lang="en-US" smtClean="0"/>
-              <a:t>1/21/2025</a:t>
+              <a:t>1/22/2025</a:t>
             </a:fld>
             <a:endParaRPr lang="en-US" dirty="0"/>
           </a:p>
@@ -8715,7 +8722,7 @@
           <a:p>
             <a:fld id="{073ED0CC-082F-4160-86E5-0D6041F12778}" type="datetime1">
               <a:rPr lang="en-US" smtClean="0"/>
-              <a:t>1/21/2025</a:t>
+              <a:t>1/22/2025</a:t>
             </a:fld>
             <a:endParaRPr lang="en-US" dirty="0"/>
           </a:p>
@@ -9052,7 +9059,7 @@
           <a:p>
             <a:fld id="{073ED0CC-082F-4160-86E5-0D6041F12778}" type="datetime1">
               <a:rPr lang="en-US" smtClean="0"/>
-              <a:t>1/21/2025</a:t>
+              <a:t>1/22/2025</a:t>
             </a:fld>
             <a:endParaRPr lang="en-US" dirty="0"/>
           </a:p>
@@ -9527,7 +9534,7 @@
           <a:p>
             <a:fld id="{073ED0CC-082F-4160-86E5-0D6041F12778}" type="datetime1">
               <a:rPr lang="en-US" smtClean="0"/>
-              <a:t>1/21/2025</a:t>
+              <a:t>1/22/2025</a:t>
             </a:fld>
             <a:endParaRPr lang="en-US" dirty="0"/>
           </a:p>
@@ -9655,7 +9662,7 @@
           <a:p>
             <a:fld id="{073ED0CC-082F-4160-86E5-0D6041F12778}" type="datetime1">
               <a:rPr lang="en-US" smtClean="0"/>
-              <a:t>1/21/2025</a:t>
+              <a:t>1/22/2025</a:t>
             </a:fld>
             <a:endParaRPr lang="en-US" dirty="0"/>
           </a:p>
@@ -9751,7 +9758,7 @@
           <a:p>
             <a:fld id="{073ED0CC-082F-4160-86E5-0D6041F12778}" type="datetime1">
               <a:rPr lang="en-US" smtClean="0"/>
-              <a:t>1/21/2025</a:t>
+              <a:t>1/22/2025</a:t>
             </a:fld>
             <a:endParaRPr lang="en-US" dirty="0"/>
           </a:p>
@@ -10865,7 +10872,7 @@
           <a:p>
             <a:fld id="{073ED0CC-082F-4160-86E5-0D6041F12778}" type="datetime1">
               <a:rPr lang="en-US" smtClean="0"/>
-              <a:t>1/21/2025</a:t>
+              <a:t>1/22/2025</a:t>
             </a:fld>
             <a:endParaRPr lang="en-US" dirty="0"/>
           </a:p>
@@ -11974,7 +11981,7 @@
           <a:p>
             <a:fld id="{073ED0CC-082F-4160-86E5-0D6041F12778}" type="datetime1">
               <a:rPr lang="en-US" smtClean="0"/>
-              <a:t>1/21/2025</a:t>
+              <a:t>1/22/2025</a:t>
             </a:fld>
             <a:endParaRPr lang="en-US" dirty="0"/>
           </a:p>
@@ -13004,7 +13011,7 @@
           <a:p>
             <a:fld id="{073ED0CC-082F-4160-86E5-0D6041F12778}" type="datetime1">
               <a:rPr lang="en-US" smtClean="0"/>
-              <a:t>1/21/2025</a:t>
+              <a:t>1/22/2025</a:t>
             </a:fld>
             <a:endParaRPr lang="en-US" dirty="0"/>
           </a:p>
@@ -14011,7 +14018,7 @@
           <a:lstStyle/>
           <a:p>
             <a:r>
-              <a:rPr kumimoji="1" lang="en-US" altLang="ja-JP" sz="5400" dirty="0">
+              <a:rPr kumimoji="1" lang="en-US" altLang="ja-JP" sz="4800" dirty="0">
                 <a:solidFill>
                   <a:srgbClr val="FFFFFF"/>
                 </a:solidFill>
@@ -14021,7 +14028,7 @@
               <a:t>1.</a:t>
             </a:r>
             <a:r>
-              <a:rPr kumimoji="1" lang="ja-JP" altLang="en-US" sz="5400" dirty="0">
+              <a:rPr kumimoji="1" lang="ja-JP" altLang="en-US" sz="4800" dirty="0">
                 <a:solidFill>
                   <a:srgbClr val="FFFFFF"/>
                 </a:solidFill>
@@ -14107,144 +14114,6 @@
 </file>
 
 <file path=ppt/slides/slide3.xml><?xml version="1.0" encoding="utf-8"?>
-<p:sld xmlns:a="http://schemas.openxmlformats.org/drawingml/2006/main" xmlns:r="http://schemas.openxmlformats.org/officeDocument/2006/relationships" xmlns:p="http://schemas.openxmlformats.org/presentationml/2006/main">
-  <p:cSld>
-    <p:spTree>
-      <p:nvGrpSpPr>
-        <p:cNvPr id="1" name=""/>
-        <p:cNvGrpSpPr/>
-        <p:nvPr/>
-      </p:nvGrpSpPr>
-      <p:grpSpPr>
-        <a:xfrm>
-          <a:off x="0" y="0"/>
-          <a:ext cx="0" cy="0"/>
-          <a:chOff x="0" y="0"/>
-          <a:chExt cx="0" cy="0"/>
-        </a:xfrm>
-      </p:grpSpPr>
-      <p:sp>
-        <p:nvSpPr>
-          <p:cNvPr id="2" name="タイトル 1">
-            <a:extLst>
-              <a:ext uri="{FF2B5EF4-FFF2-40B4-BE49-F238E27FC236}">
-                <a16:creationId xmlns:a16="http://schemas.microsoft.com/office/drawing/2014/main" id="{EC4A64A4-6537-7205-7675-9D54C4C5269D}"/>
-              </a:ext>
-            </a:extLst>
-          </p:cNvPr>
-          <p:cNvSpPr>
-            <a:spLocks noGrp="1"/>
-          </p:cNvSpPr>
-          <p:nvPr>
-            <p:ph type="title"/>
-          </p:nvPr>
-        </p:nvSpPr>
-        <p:spPr>
-          <a:xfrm>
-            <a:off x="1219200" y="838200"/>
-            <a:ext cx="8761413" cy="706964"/>
-          </a:xfrm>
-        </p:spPr>
-        <p:txBody>
-          <a:bodyPr/>
-          <a:lstStyle/>
-          <a:p>
-            <a:r>
-              <a:rPr kumimoji="1" lang="en-US" altLang="ja-JP" sz="4800" dirty="0">
-                <a:latin typeface="HG創英角ｺﾞｼｯｸUB" panose="020B0909000000000000" pitchFamily="49" charset="-128"/>
-                <a:ea typeface="HG創英角ｺﾞｼｯｸUB" panose="020B0909000000000000" pitchFamily="49" charset="-128"/>
-              </a:rPr>
-              <a:t>2.</a:t>
-            </a:r>
-            <a:r>
-              <a:rPr kumimoji="1" lang="ja-JP" altLang="en-US" sz="4800" dirty="0">
-                <a:latin typeface="HG創英角ｺﾞｼｯｸUB" panose="020B0909000000000000" pitchFamily="49" charset="-128"/>
-                <a:ea typeface="HG創英角ｺﾞｼｯｸUB" panose="020B0909000000000000" pitchFamily="49" charset="-128"/>
-              </a:rPr>
-              <a:t>なぜこの作品を制作したか</a:t>
-            </a:r>
-          </a:p>
-        </p:txBody>
-      </p:sp>
-      <p:sp>
-        <p:nvSpPr>
-          <p:cNvPr id="3" name="コンテンツ プレースホルダー 2">
-            <a:extLst>
-              <a:ext uri="{FF2B5EF4-FFF2-40B4-BE49-F238E27FC236}">
-                <a16:creationId xmlns:a16="http://schemas.microsoft.com/office/drawing/2014/main" id="{E4B5B0FE-64CD-0C7E-42EA-9596E6104D87}"/>
-              </a:ext>
-            </a:extLst>
-          </p:cNvPr>
-          <p:cNvSpPr>
-            <a:spLocks noGrp="1"/>
-          </p:cNvSpPr>
-          <p:nvPr>
-            <p:ph idx="1"/>
-          </p:nvPr>
-        </p:nvSpPr>
-        <p:spPr>
-          <a:xfrm>
-            <a:off x="1322102" y="2603500"/>
-            <a:ext cx="8825659" cy="3416300"/>
-          </a:xfrm>
-        </p:spPr>
-        <p:txBody>
-          <a:bodyPr>
-            <a:normAutofit/>
-          </a:bodyPr>
-          <a:lstStyle/>
-          <a:p>
-            <a:r>
-              <a:rPr kumimoji="1" lang="ja-JP" altLang="en-US" sz="4000" dirty="0">
-                <a:latin typeface="HG創英角ｺﾞｼｯｸUB" panose="020B0909000000000000" pitchFamily="49" charset="-128"/>
-                <a:ea typeface="HG創英角ｺﾞｼｯｸUB" panose="020B0909000000000000" pitchFamily="49" charset="-128"/>
-              </a:rPr>
-              <a:t>去年で</a:t>
-            </a:r>
-            <a:r>
-              <a:rPr kumimoji="1" lang="en-US" altLang="ja-JP" sz="4000" dirty="0">
-                <a:latin typeface="HG創英角ｺﾞｼｯｸUB" panose="020B0909000000000000" pitchFamily="49" charset="-128"/>
-                <a:ea typeface="HG創英角ｺﾞｼｯｸUB" panose="020B0909000000000000" pitchFamily="49" charset="-128"/>
-              </a:rPr>
-              <a:t>10</a:t>
-            </a:r>
-            <a:r>
-              <a:rPr kumimoji="1" lang="ja-JP" altLang="en-US" sz="4000" dirty="0">
-                <a:latin typeface="HG創英角ｺﾞｼｯｸUB" panose="020B0909000000000000" pitchFamily="49" charset="-128"/>
-                <a:ea typeface="HG創英角ｺﾞｼｯｸUB" panose="020B0909000000000000" pitchFamily="49" charset="-128"/>
-              </a:rPr>
-              <a:t>歳になった愛犬の為になにか形にできるものを作りたかった。</a:t>
-            </a:r>
-            <a:br>
-              <a:rPr kumimoji="1" lang="en-US" altLang="ja-JP" sz="4000" dirty="0">
-                <a:latin typeface="HG創英角ｺﾞｼｯｸUB" panose="020B0909000000000000" pitchFamily="49" charset="-128"/>
-                <a:ea typeface="HG創英角ｺﾞｼｯｸUB" panose="020B0909000000000000" pitchFamily="49" charset="-128"/>
-              </a:rPr>
-            </a:br>
-            <a:r>
-              <a:rPr kumimoji="1" lang="ja-JP" altLang="en-US" sz="4000" dirty="0">
-                <a:latin typeface="HG創英角ｺﾞｼｯｸUB" panose="020B0909000000000000" pitchFamily="49" charset="-128"/>
-                <a:ea typeface="HG創英角ｺﾞｼｯｸUB" panose="020B0909000000000000" pitchFamily="49" charset="-128"/>
-              </a:rPr>
-              <a:t>自分が勉強してきた知識を活かせる作品作りをしたかった。</a:t>
-            </a:r>
-          </a:p>
-        </p:txBody>
-      </p:sp>
-    </p:spTree>
-    <p:extLst>
-      <p:ext uri="{BB962C8B-B14F-4D97-AF65-F5344CB8AC3E}">
-        <p14:creationId xmlns:p14="http://schemas.microsoft.com/office/powerpoint/2010/main" val="4288670859"/>
-      </p:ext>
-    </p:extLst>
-  </p:cSld>
-  <p:clrMapOvr>
-    <a:masterClrMapping/>
-  </p:clrMapOvr>
-</p:sld>
-</file>
-
-<file path=ppt/slides/slide4.xml><?xml version="1.0" encoding="utf-8"?>
 <p:sld xmlns:a="http://schemas.openxmlformats.org/drawingml/2006/main" xmlns:r="http://schemas.openxmlformats.org/officeDocument/2006/relationships" xmlns:p="http://schemas.openxmlformats.org/presentationml/2006/main">
   <p:cSld>
     <p:spTree>
@@ -14294,14 +14163,14 @@
           <a:lstStyle/>
           <a:p>
             <a:r>
-              <a:rPr lang="en-US" altLang="ja-JP" sz="4800">
+              <a:rPr lang="en-US" altLang="ja-JP" sz="4800" dirty="0">
                 <a:latin typeface="HG創英角ｺﾞｼｯｸUB" panose="020B0909000000000000" pitchFamily="49" charset="-128"/>
                 <a:ea typeface="HG創英角ｺﾞｼｯｸUB" panose="020B0909000000000000" pitchFamily="49" charset="-128"/>
               </a:rPr>
-              <a:t>3</a:t>
-            </a:r>
-            <a:r>
-              <a:rPr lang="ja-JP" altLang="en-US" sz="4800">
+              <a:t>2</a:t>
+            </a:r>
+            <a:r>
+              <a:rPr lang="ja-JP" altLang="en-US" sz="4800" dirty="0">
                 <a:latin typeface="HG創英角ｺﾞｼｯｸUB" panose="020B0909000000000000" pitchFamily="49" charset="-128"/>
                 <a:ea typeface="HG創英角ｺﾞｼｯｸUB" panose="020B0909000000000000" pitchFamily="49" charset="-128"/>
               </a:rPr>
@@ -14480,6 +14349,169 @@
 </p:sld>
 </file>
 
+<file path=ppt/slides/slide4.xml><?xml version="1.0" encoding="utf-8"?>
+<p:sld xmlns:a="http://schemas.openxmlformats.org/drawingml/2006/main" xmlns:r="http://schemas.openxmlformats.org/officeDocument/2006/relationships" xmlns:p="http://schemas.openxmlformats.org/presentationml/2006/main">
+  <p:cSld>
+    <p:spTree>
+      <p:nvGrpSpPr>
+        <p:cNvPr id="1" name=""/>
+        <p:cNvGrpSpPr/>
+        <p:nvPr/>
+      </p:nvGrpSpPr>
+      <p:grpSpPr>
+        <a:xfrm>
+          <a:off x="0" y="0"/>
+          <a:ext cx="0" cy="0"/>
+          <a:chOff x="0" y="0"/>
+          <a:chExt cx="0" cy="0"/>
+        </a:xfrm>
+      </p:grpSpPr>
+      <p:sp>
+        <p:nvSpPr>
+          <p:cNvPr id="2" name="タイトル 1">
+            <a:extLst>
+              <a:ext uri="{FF2B5EF4-FFF2-40B4-BE49-F238E27FC236}">
+                <a16:creationId xmlns:a16="http://schemas.microsoft.com/office/drawing/2014/main" id="{EC4A64A4-6537-7205-7675-9D54C4C5269D}"/>
+              </a:ext>
+            </a:extLst>
+          </p:cNvPr>
+          <p:cNvSpPr>
+            <a:spLocks noGrp="1"/>
+          </p:cNvSpPr>
+          <p:nvPr>
+            <p:ph type="title"/>
+          </p:nvPr>
+        </p:nvSpPr>
+        <p:spPr>
+          <a:xfrm>
+            <a:off x="1219200" y="838200"/>
+            <a:ext cx="8761413" cy="706964"/>
+          </a:xfrm>
+        </p:spPr>
+        <p:txBody>
+          <a:bodyPr/>
+          <a:lstStyle/>
+          <a:p>
+            <a:r>
+              <a:rPr lang="en-US" altLang="ja-JP" sz="4800" dirty="0">
+                <a:latin typeface="HG創英角ｺﾞｼｯｸUB" panose="020B0909000000000000" pitchFamily="49" charset="-128"/>
+                <a:ea typeface="HG創英角ｺﾞｼｯｸUB" panose="020B0909000000000000" pitchFamily="49" charset="-128"/>
+              </a:rPr>
+              <a:t>3</a:t>
+            </a:r>
+            <a:r>
+              <a:rPr kumimoji="1" lang="en-US" altLang="ja-JP" sz="4800" dirty="0">
+                <a:latin typeface="HG創英角ｺﾞｼｯｸUB" panose="020B0909000000000000" pitchFamily="49" charset="-128"/>
+                <a:ea typeface="HG創英角ｺﾞｼｯｸUB" panose="020B0909000000000000" pitchFamily="49" charset="-128"/>
+              </a:rPr>
+              <a:t>.</a:t>
+            </a:r>
+            <a:r>
+              <a:rPr kumimoji="1" lang="ja-JP" altLang="en-US" sz="4800" dirty="0">
+                <a:latin typeface="HG創英角ｺﾞｼｯｸUB" panose="020B0909000000000000" pitchFamily="49" charset="-128"/>
+                <a:ea typeface="HG創英角ｺﾞｼｯｸUB" panose="020B0909000000000000" pitchFamily="49" charset="-128"/>
+              </a:rPr>
+              <a:t>なぜこの作品を制作したか</a:t>
+            </a:r>
+          </a:p>
+        </p:txBody>
+      </p:sp>
+      <p:sp>
+        <p:nvSpPr>
+          <p:cNvPr id="3" name="コンテンツ プレースホルダー 2">
+            <a:extLst>
+              <a:ext uri="{FF2B5EF4-FFF2-40B4-BE49-F238E27FC236}">
+                <a16:creationId xmlns:a16="http://schemas.microsoft.com/office/drawing/2014/main" id="{E4B5B0FE-64CD-0C7E-42EA-9596E6104D87}"/>
+              </a:ext>
+            </a:extLst>
+          </p:cNvPr>
+          <p:cNvSpPr>
+            <a:spLocks noGrp="1"/>
+          </p:cNvSpPr>
+          <p:nvPr>
+            <p:ph idx="1"/>
+          </p:nvPr>
+        </p:nvSpPr>
+        <p:spPr>
+          <a:xfrm>
+            <a:off x="1322102" y="2603500"/>
+            <a:ext cx="8825659" cy="3416300"/>
+          </a:xfrm>
+        </p:spPr>
+        <p:txBody>
+          <a:bodyPr>
+            <a:normAutofit/>
+          </a:bodyPr>
+          <a:lstStyle/>
+          <a:p>
+            <a:r>
+              <a:rPr kumimoji="1" lang="ja-JP" altLang="en-US" sz="4000" dirty="0">
+                <a:latin typeface="HG創英角ｺﾞｼｯｸUB" panose="020B0909000000000000" pitchFamily="49" charset="-128"/>
+                <a:ea typeface="HG創英角ｺﾞｼｯｸUB" panose="020B0909000000000000" pitchFamily="49" charset="-128"/>
+              </a:rPr>
+              <a:t>去年で</a:t>
+            </a:r>
+            <a:r>
+              <a:rPr kumimoji="1" lang="en-US" altLang="ja-JP" sz="4000" dirty="0">
+                <a:latin typeface="HG創英角ｺﾞｼｯｸUB" panose="020B0909000000000000" pitchFamily="49" charset="-128"/>
+                <a:ea typeface="HG創英角ｺﾞｼｯｸUB" panose="020B0909000000000000" pitchFamily="49" charset="-128"/>
+              </a:rPr>
+              <a:t>10</a:t>
+            </a:r>
+            <a:r>
+              <a:rPr kumimoji="1" lang="ja-JP" altLang="en-US" sz="4000" dirty="0">
+                <a:latin typeface="HG創英角ｺﾞｼｯｸUB" panose="020B0909000000000000" pitchFamily="49" charset="-128"/>
+                <a:ea typeface="HG創英角ｺﾞｼｯｸUB" panose="020B0909000000000000" pitchFamily="49" charset="-128"/>
+              </a:rPr>
+              <a:t>歳になった愛犬の為になにか形にできるものを作りたかった。</a:t>
+            </a:r>
+            <a:br>
+              <a:rPr kumimoji="1" lang="en-US" altLang="ja-JP" sz="4000" dirty="0">
+                <a:latin typeface="HG創英角ｺﾞｼｯｸUB" panose="020B0909000000000000" pitchFamily="49" charset="-128"/>
+                <a:ea typeface="HG創英角ｺﾞｼｯｸUB" panose="020B0909000000000000" pitchFamily="49" charset="-128"/>
+              </a:rPr>
+            </a:br>
+            <a:r>
+              <a:rPr kumimoji="1" lang="ja-JP" altLang="en-US" sz="4000" dirty="0">
+                <a:latin typeface="HG創英角ｺﾞｼｯｸUB" panose="020B0909000000000000" pitchFamily="49" charset="-128"/>
+                <a:ea typeface="HG創英角ｺﾞｼｯｸUB" panose="020B0909000000000000" pitchFamily="49" charset="-128"/>
+              </a:rPr>
+              <a:t>自分が勉強してきた知識を活かせる作品作りをしたかった。</a:t>
+            </a:r>
+            <a:endParaRPr kumimoji="1" lang="en-US" altLang="ja-JP" sz="4000" dirty="0">
+              <a:latin typeface="HG創英角ｺﾞｼｯｸUB" panose="020B0909000000000000" pitchFamily="49" charset="-128"/>
+              <a:ea typeface="HG創英角ｺﾞｼｯｸUB" panose="020B0909000000000000" pitchFamily="49" charset="-128"/>
+            </a:endParaRPr>
+          </a:p>
+          <a:p>
+            <a:r>
+              <a:rPr kumimoji="1" lang="ja-JP" altLang="en-US" sz="4000" dirty="0">
+                <a:latin typeface="HG創英角ｺﾞｼｯｸUB" panose="020B0909000000000000" pitchFamily="49" charset="-128"/>
+                <a:ea typeface="HG創英角ｺﾞｼｯｸUB" panose="020B0909000000000000" pitchFamily="49" charset="-128"/>
+                <a:hlinkClick r:id="rId2" action="ppaction://hlinkfile"/>
+              </a:rPr>
+              <a:t>リンク</a:t>
+            </a:r>
+            <a:endParaRPr kumimoji="1" lang="ja-JP" altLang="en-US" sz="4000" dirty="0">
+              <a:latin typeface="HG創英角ｺﾞｼｯｸUB" panose="020B0909000000000000" pitchFamily="49" charset="-128"/>
+              <a:ea typeface="HG創英角ｺﾞｼｯｸUB" panose="020B0909000000000000" pitchFamily="49" charset="-128"/>
+            </a:endParaRPr>
+          </a:p>
+        </p:txBody>
+      </p:sp>
+    </p:spTree>
+    <p:extLst>
+      <p:ext uri="{BB962C8B-B14F-4D97-AF65-F5344CB8AC3E}">
+        <p14:creationId xmlns:p14="http://schemas.microsoft.com/office/powerpoint/2010/main" val="4288670859"/>
+      </p:ext>
+    </p:extLst>
+  </p:cSld>
+  <p:clrMapOvr>
+    <a:masterClrMapping/>
+  </p:clrMapOvr>
+</p:sld>
+</file>
+
 <file path=ppt/slides/slide5.xml><?xml version="1.0" encoding="utf-8"?>
 <p:sld xmlns:a="http://schemas.openxmlformats.org/drawingml/2006/main" xmlns:r="http://schemas.openxmlformats.org/officeDocument/2006/relationships" xmlns:p="http://schemas.openxmlformats.org/presentationml/2006/main">
   <p:cSld>
@@ -14518,10 +14550,20 @@
           <a:bodyPr/>
           <a:lstStyle/>
           <a:p>
-            <a:endParaRPr kumimoji="1" lang="ja-JP" altLang="en-US" sz="4800" dirty="0">
-              <a:latin typeface="HG創英角ｺﾞｼｯｸUB" panose="020B0909000000000000" pitchFamily="49" charset="-128"/>
-              <a:ea typeface="HG創英角ｺﾞｼｯｸUB" panose="020B0909000000000000" pitchFamily="49" charset="-128"/>
-            </a:endParaRPr>
+            <a:r>
+              <a:rPr kumimoji="1" lang="en-US" altLang="ja-JP" sz="4800" dirty="0">
+                <a:latin typeface="HG創英角ｺﾞｼｯｸUB" panose="020B0909000000000000" pitchFamily="49" charset="-128"/>
+                <a:ea typeface="HG創英角ｺﾞｼｯｸUB" panose="020B0909000000000000" pitchFamily="49" charset="-128"/>
+              </a:rPr>
+              <a:t>4.</a:t>
+            </a:r>
+            <a:r>
+              <a:rPr kumimoji="1" lang="ja-JP" altLang="en-US" sz="4800" dirty="0">
+                <a:latin typeface="HG創英角ｺﾞｼｯｸUB" panose="020B0909000000000000" pitchFamily="49" charset="-128"/>
+                <a:ea typeface="HG創英角ｺﾞｼｯｸUB" panose="020B0909000000000000" pitchFamily="49" charset="-128"/>
+              </a:rPr>
+              <a:t>実装できなかった機能</a:t>
+            </a:r>
           </a:p>
         </p:txBody>
       </p:sp>
@@ -14546,7 +14588,15 @@
           <a:bodyPr/>
           <a:lstStyle/>
           <a:p>
-            <a:endParaRPr kumimoji="1" lang="ja-JP" altLang="en-US"/>
+            <a:r>
+              <a:rPr kumimoji="1" lang="en-US" altLang="ja-JP" dirty="0"/>
+              <a:t>SNS</a:t>
+            </a:r>
+            <a:r>
+              <a:rPr lang="ja-JP" altLang="en-US" dirty="0"/>
+              <a:t>を使用した進捗状況をページ上に乗せる</a:t>
+            </a:r>
+            <a:endParaRPr kumimoji="1" lang="ja-JP" altLang="en-US" dirty="0"/>
           </a:p>
         </p:txBody>
       </p:sp>
@@ -14554,6 +14604,211 @@
     <p:extLst>
       <p:ext uri="{BB962C8B-B14F-4D97-AF65-F5344CB8AC3E}">
         <p14:creationId xmlns:p14="http://schemas.microsoft.com/office/powerpoint/2010/main" val="335085321"/>
+      </p:ext>
+    </p:extLst>
+  </p:cSld>
+  <p:clrMapOvr>
+    <a:masterClrMapping/>
+  </p:clrMapOvr>
+</p:sld>
+</file>
+
+<file path=ppt/slides/slide6.xml><?xml version="1.0" encoding="utf-8"?>
+<p:sld xmlns:a="http://schemas.openxmlformats.org/drawingml/2006/main" xmlns:r="http://schemas.openxmlformats.org/officeDocument/2006/relationships" xmlns:p="http://schemas.openxmlformats.org/presentationml/2006/main">
+  <p:cSld>
+    <p:spTree>
+      <p:nvGrpSpPr>
+        <p:cNvPr id="1" name=""/>
+        <p:cNvGrpSpPr/>
+        <p:nvPr/>
+      </p:nvGrpSpPr>
+      <p:grpSpPr>
+        <a:xfrm>
+          <a:off x="0" y="0"/>
+          <a:ext cx="0" cy="0"/>
+          <a:chOff x="0" y="0"/>
+          <a:chExt cx="0" cy="0"/>
+        </a:xfrm>
+      </p:grpSpPr>
+      <p:sp>
+        <p:nvSpPr>
+          <p:cNvPr id="2" name="タイトル 1">
+            <a:extLst>
+              <a:ext uri="{FF2B5EF4-FFF2-40B4-BE49-F238E27FC236}">
+                <a16:creationId xmlns:a16="http://schemas.microsoft.com/office/drawing/2014/main" id="{3114DB4D-B507-C77C-EAF6-FF561D399B38}"/>
+              </a:ext>
+            </a:extLst>
+          </p:cNvPr>
+          <p:cNvSpPr>
+            <a:spLocks noGrp="1"/>
+          </p:cNvSpPr>
+          <p:nvPr>
+            <p:ph type="title"/>
+          </p:nvPr>
+        </p:nvSpPr>
+        <p:spPr/>
+        <p:txBody>
+          <a:bodyPr/>
+          <a:lstStyle/>
+          <a:p>
+            <a:r>
+              <a:rPr kumimoji="1" lang="en-US" altLang="ja-JP" sz="4800" dirty="0">
+                <a:latin typeface="HGP創英角ｺﾞｼｯｸUB" panose="020B0900000000000000" pitchFamily="50" charset="-128"/>
+                <a:ea typeface="HGP創英角ｺﾞｼｯｸUB" panose="020B0900000000000000" pitchFamily="50" charset="-128"/>
+              </a:rPr>
+              <a:t>5.</a:t>
+            </a:r>
+            <a:r>
+              <a:rPr kumimoji="1" lang="ja-JP" altLang="en-US" sz="4800" dirty="0">
+                <a:latin typeface="HGP創英角ｺﾞｼｯｸUB" panose="020B0900000000000000" pitchFamily="50" charset="-128"/>
+                <a:ea typeface="HGP創英角ｺﾞｼｯｸUB" panose="020B0900000000000000" pitchFamily="50" charset="-128"/>
+              </a:rPr>
+              <a:t>まとめ</a:t>
+            </a:r>
+          </a:p>
+        </p:txBody>
+      </p:sp>
+      <p:sp>
+        <p:nvSpPr>
+          <p:cNvPr id="3" name="コンテンツ プレースホルダー 2">
+            <a:extLst>
+              <a:ext uri="{FF2B5EF4-FFF2-40B4-BE49-F238E27FC236}">
+                <a16:creationId xmlns:a16="http://schemas.microsoft.com/office/drawing/2014/main" id="{3B0A8BDE-A3CE-353A-FA74-4F1AD2FF7941}"/>
+              </a:ext>
+            </a:extLst>
+          </p:cNvPr>
+          <p:cNvSpPr>
+            <a:spLocks noGrp="1"/>
+          </p:cNvSpPr>
+          <p:nvPr>
+            <p:ph idx="1"/>
+          </p:nvPr>
+        </p:nvSpPr>
+        <p:spPr/>
+        <p:txBody>
+          <a:bodyPr/>
+          <a:lstStyle/>
+          <a:p>
+            <a:endParaRPr kumimoji="1" lang="ja-JP" altLang="en-US"/>
+          </a:p>
+        </p:txBody>
+      </p:sp>
+    </p:spTree>
+    <p:extLst>
+      <p:ext uri="{BB962C8B-B14F-4D97-AF65-F5344CB8AC3E}">
+        <p14:creationId xmlns:p14="http://schemas.microsoft.com/office/powerpoint/2010/main" val="552624924"/>
+      </p:ext>
+    </p:extLst>
+  </p:cSld>
+  <p:clrMapOvr>
+    <a:masterClrMapping/>
+  </p:clrMapOvr>
+</p:sld>
+</file>
+
+<file path=ppt/slides/slide7.xml><?xml version="1.0" encoding="utf-8"?>
+<p:sld xmlns:a="http://schemas.openxmlformats.org/drawingml/2006/main" xmlns:r="http://schemas.openxmlformats.org/officeDocument/2006/relationships" xmlns:p="http://schemas.openxmlformats.org/presentationml/2006/main">
+  <p:cSld>
+    <p:spTree>
+      <p:nvGrpSpPr>
+        <p:cNvPr id="1" name="">
+          <a:extLst>
+            <a:ext uri="{FF2B5EF4-FFF2-40B4-BE49-F238E27FC236}">
+              <a16:creationId xmlns:a16="http://schemas.microsoft.com/office/drawing/2014/main" id="{E73C2586-A784-7924-73A8-A6D04207CE5C}"/>
+            </a:ext>
+          </a:extLst>
+        </p:cNvPr>
+        <p:cNvGrpSpPr/>
+        <p:nvPr/>
+      </p:nvGrpSpPr>
+      <p:grpSpPr>
+        <a:xfrm>
+          <a:off x="0" y="0"/>
+          <a:ext cx="0" cy="0"/>
+          <a:chOff x="0" y="0"/>
+          <a:chExt cx="0" cy="0"/>
+        </a:xfrm>
+      </p:grpSpPr>
+      <p:pic>
+        <p:nvPicPr>
+          <p:cNvPr id="4" name="Picture 3">
+            <a:extLst>
+              <a:ext uri="{FF2B5EF4-FFF2-40B4-BE49-F238E27FC236}">
+                <a16:creationId xmlns:a16="http://schemas.microsoft.com/office/drawing/2014/main" id="{BCFBD765-855E-2789-7141-A9355E72B49C}"/>
+              </a:ext>
+            </a:extLst>
+          </p:cNvPr>
+          <p:cNvPicPr>
+            <a:picLocks noChangeAspect="1"/>
+          </p:cNvPicPr>
+          <p:nvPr/>
+        </p:nvPicPr>
+        <p:blipFill>
+          <a:blip r:embed="rId2">
+            <a:duotone>
+              <a:prstClr val="black"/>
+              <a:schemeClr val="accent5">
+                <a:tint val="45000"/>
+                <a:satMod val="400000"/>
+              </a:schemeClr>
+            </a:duotone>
+            <a:alphaModFix amt="25000"/>
+          </a:blip>
+          <a:srcRect t="28417" r="9090" b="-1"/>
+          <a:stretch/>
+        </p:blipFill>
+        <p:spPr>
+          <a:xfrm>
+            <a:off x="474133" y="475488"/>
+            <a:ext cx="11243734" cy="5909733"/>
+          </a:xfrm>
+          <a:prstGeom prst="rect">
+            <a:avLst/>
+          </a:prstGeom>
+        </p:spPr>
+      </p:pic>
+      <p:sp>
+        <p:nvSpPr>
+          <p:cNvPr id="2" name="タイトル 1">
+            <a:extLst>
+              <a:ext uri="{FF2B5EF4-FFF2-40B4-BE49-F238E27FC236}">
+                <a16:creationId xmlns:a16="http://schemas.microsoft.com/office/drawing/2014/main" id="{7F468295-33F8-FC01-F31B-4DDF717F3130}"/>
+              </a:ext>
+            </a:extLst>
+          </p:cNvPr>
+          <p:cNvSpPr>
+            <a:spLocks noGrp="1"/>
+          </p:cNvSpPr>
+          <p:nvPr>
+            <p:ph type="ctrTitle"/>
+          </p:nvPr>
+        </p:nvSpPr>
+        <p:spPr>
+          <a:xfrm>
+            <a:off x="1770867" y="1116506"/>
+            <a:ext cx="8827245" cy="2677648"/>
+          </a:xfrm>
+        </p:spPr>
+        <p:txBody>
+          <a:bodyPr>
+            <a:normAutofit/>
+          </a:bodyPr>
+          <a:lstStyle/>
+          <a:p>
+            <a:r>
+              <a:rPr kumimoji="1" lang="ja-JP" altLang="en-US" sz="4800" dirty="0">
+                <a:latin typeface="HG創英角ｺﾞｼｯｸUB" panose="020B0909000000000000" pitchFamily="49" charset="-128"/>
+                <a:ea typeface="HG創英角ｺﾞｼｯｸUB" panose="020B0909000000000000" pitchFamily="49" charset="-128"/>
+              </a:rPr>
+              <a:t>ご清聴ありがとうございました</a:t>
+            </a:r>
+          </a:p>
+        </p:txBody>
+      </p:sp>
+    </p:spTree>
+    <p:extLst>
+      <p:ext uri="{BB962C8B-B14F-4D97-AF65-F5344CB8AC3E}">
+        <p14:creationId xmlns:p14="http://schemas.microsoft.com/office/powerpoint/2010/main" val="521076671"/>
       </p:ext>
     </p:extLst>
   </p:cSld>

--- a/発表資料.pptx
+++ b/発表資料.pptx
@@ -453,7 +453,7 @@
           <a:p>
             <a:fld id="{073ED0CC-082F-4160-86E5-0D6041F12778}" type="datetime1">
               <a:rPr lang="en-US" smtClean="0"/>
-              <a:t>1/22/2025</a:t>
+              <a:t>1/23/2025</a:t>
             </a:fld>
             <a:endParaRPr lang="en-US" dirty="0"/>
           </a:p>
@@ -1542,7 +1542,7 @@
           <a:p>
             <a:fld id="{073ED0CC-082F-4160-86E5-0D6041F12778}" type="datetime1">
               <a:rPr lang="en-US" smtClean="0"/>
-              <a:t>1/22/2025</a:t>
+              <a:t>1/23/2025</a:t>
             </a:fld>
             <a:endParaRPr lang="en-US" dirty="0"/>
           </a:p>
@@ -2523,7 +2523,7 @@
           <a:p>
             <a:fld id="{073ED0CC-082F-4160-86E5-0D6041F12778}" type="datetime1">
               <a:rPr lang="en-US" smtClean="0"/>
-              <a:t>1/22/2025</a:t>
+              <a:t>1/23/2025</a:t>
             </a:fld>
             <a:endParaRPr lang="en-US" dirty="0"/>
           </a:p>
@@ -3658,7 +3658,7 @@
           <a:p>
             <a:fld id="{073ED0CC-082F-4160-86E5-0D6041F12778}" type="datetime1">
               <a:rPr lang="en-US" smtClean="0"/>
-              <a:t>1/22/2025</a:t>
+              <a:t>1/23/2025</a:t>
             </a:fld>
             <a:endParaRPr lang="en-US" dirty="0"/>
           </a:p>
@@ -4692,7 +4692,7 @@
           <a:p>
             <a:fld id="{073ED0CC-082F-4160-86E5-0D6041F12778}" type="datetime1">
               <a:rPr lang="en-US" smtClean="0"/>
-              <a:t>1/22/2025</a:t>
+              <a:t>1/23/2025</a:t>
             </a:fld>
             <a:endParaRPr lang="en-US" dirty="0"/>
           </a:p>
@@ -5353,7 +5353,7 @@
           <a:p>
             <a:fld id="{073ED0CC-082F-4160-86E5-0D6041F12778}" type="datetime1">
               <a:rPr lang="en-US" smtClean="0"/>
-              <a:t>1/22/2025</a:t>
+              <a:t>1/23/2025</a:t>
             </a:fld>
             <a:endParaRPr lang="en-US" dirty="0"/>
           </a:p>
@@ -6215,7 +6215,7 @@
           <a:p>
             <a:fld id="{073ED0CC-082F-4160-86E5-0D6041F12778}" type="datetime1">
               <a:rPr lang="en-US" smtClean="0"/>
-              <a:t>1/22/2025</a:t>
+              <a:t>1/23/2025</a:t>
             </a:fld>
             <a:endParaRPr lang="en-US" dirty="0"/>
           </a:p>
@@ -6438,7 +6438,7 @@
           <a:p>
             <a:fld id="{073ED0CC-082F-4160-86E5-0D6041F12778}" type="datetime1">
               <a:rPr lang="en-US" smtClean="0"/>
-              <a:t>1/22/2025</a:t>
+              <a:t>1/23/2025</a:t>
             </a:fld>
             <a:endParaRPr lang="en-US" dirty="0"/>
           </a:p>
@@ -7443,7 +7443,7 @@
           <a:p>
             <a:fld id="{073ED0CC-082F-4160-86E5-0D6041F12778}" type="datetime1">
               <a:rPr lang="en-US" smtClean="0"/>
-              <a:t>1/22/2025</a:t>
+              <a:t>1/23/2025</a:t>
             </a:fld>
             <a:endParaRPr lang="en-US" dirty="0"/>
           </a:p>
@@ -7687,7 +7687,7 @@
           <a:p>
             <a:fld id="{073ED0CC-082F-4160-86E5-0D6041F12778}" type="datetime1">
               <a:rPr lang="en-US" smtClean="0"/>
-              <a:t>1/22/2025</a:t>
+              <a:t>1/23/2025</a:t>
             </a:fld>
             <a:endParaRPr lang="en-US" dirty="0"/>
           </a:p>
@@ -8722,7 +8722,7 @@
           <a:p>
             <a:fld id="{073ED0CC-082F-4160-86E5-0D6041F12778}" type="datetime1">
               <a:rPr lang="en-US" smtClean="0"/>
-              <a:t>1/22/2025</a:t>
+              <a:t>1/23/2025</a:t>
             </a:fld>
             <a:endParaRPr lang="en-US" dirty="0"/>
           </a:p>
@@ -9059,7 +9059,7 @@
           <a:p>
             <a:fld id="{073ED0CC-082F-4160-86E5-0D6041F12778}" type="datetime1">
               <a:rPr lang="en-US" smtClean="0"/>
-              <a:t>1/22/2025</a:t>
+              <a:t>1/23/2025</a:t>
             </a:fld>
             <a:endParaRPr lang="en-US" dirty="0"/>
           </a:p>
@@ -9534,7 +9534,7 @@
           <a:p>
             <a:fld id="{073ED0CC-082F-4160-86E5-0D6041F12778}" type="datetime1">
               <a:rPr lang="en-US" smtClean="0"/>
-              <a:t>1/22/2025</a:t>
+              <a:t>1/23/2025</a:t>
             </a:fld>
             <a:endParaRPr lang="en-US" dirty="0"/>
           </a:p>
@@ -9662,7 +9662,7 @@
           <a:p>
             <a:fld id="{073ED0CC-082F-4160-86E5-0D6041F12778}" type="datetime1">
               <a:rPr lang="en-US" smtClean="0"/>
-              <a:t>1/22/2025</a:t>
+              <a:t>1/23/2025</a:t>
             </a:fld>
             <a:endParaRPr lang="en-US" dirty="0"/>
           </a:p>
@@ -9758,7 +9758,7 @@
           <a:p>
             <a:fld id="{073ED0CC-082F-4160-86E5-0D6041F12778}" type="datetime1">
               <a:rPr lang="en-US" smtClean="0"/>
-              <a:t>1/22/2025</a:t>
+              <a:t>1/23/2025</a:t>
             </a:fld>
             <a:endParaRPr lang="en-US" dirty="0"/>
           </a:p>
@@ -10872,7 +10872,7 @@
           <a:p>
             <a:fld id="{073ED0CC-082F-4160-86E5-0D6041F12778}" type="datetime1">
               <a:rPr lang="en-US" smtClean="0"/>
-              <a:t>1/22/2025</a:t>
+              <a:t>1/23/2025</a:t>
             </a:fld>
             <a:endParaRPr lang="en-US" dirty="0"/>
           </a:p>
@@ -11981,7 +11981,7 @@
           <a:p>
             <a:fld id="{073ED0CC-082F-4160-86E5-0D6041F12778}" type="datetime1">
               <a:rPr lang="en-US" smtClean="0"/>
-              <a:t>1/22/2025</a:t>
+              <a:t>1/23/2025</a:t>
             </a:fld>
             <a:endParaRPr lang="en-US" dirty="0"/>
           </a:p>
@@ -13011,7 +13011,7 @@
           <a:p>
             <a:fld id="{073ED0CC-082F-4160-86E5-0D6041F12778}" type="datetime1">
               <a:rPr lang="en-US" smtClean="0"/>
-              <a:t>1/22/2025</a:t>
+              <a:t>1/23/2025</a:t>
             </a:fld>
             <a:endParaRPr lang="en-US" dirty="0"/>
           </a:p>
@@ -14583,20 +14583,70 @@
             <p:ph idx="1"/>
           </p:nvPr>
         </p:nvSpPr>
-        <p:spPr/>
+        <p:spPr>
+          <a:xfrm>
+            <a:off x="783954" y="2468032"/>
+            <a:ext cx="10624091" cy="3416300"/>
+          </a:xfrm>
+        </p:spPr>
         <p:txBody>
-          <a:bodyPr/>
+          <a:bodyPr>
+            <a:normAutofit/>
+          </a:bodyPr>
           <a:lstStyle/>
           <a:p>
             <a:r>
-              <a:rPr kumimoji="1" lang="en-US" altLang="ja-JP" dirty="0"/>
+              <a:rPr kumimoji="1" lang="en-US" altLang="ja-JP" sz="4000" dirty="0">
+                <a:latin typeface="HGS創英角ｺﾞｼｯｸUB" panose="020B0900000000000000" pitchFamily="50" charset="-128"/>
+                <a:ea typeface="HGS創英角ｺﾞｼｯｸUB" panose="020B0900000000000000" pitchFamily="50" charset="-128"/>
+              </a:rPr>
               <a:t>SNS</a:t>
             </a:r>
             <a:r>
-              <a:rPr lang="ja-JP" altLang="en-US" dirty="0"/>
+              <a:rPr lang="ja-JP" altLang="en-US" sz="4000" dirty="0">
+                <a:latin typeface="HGS創英角ｺﾞｼｯｸUB" panose="020B0900000000000000" pitchFamily="50" charset="-128"/>
+                <a:ea typeface="HGS創英角ｺﾞｼｯｸUB" panose="020B0900000000000000" pitchFamily="50" charset="-128"/>
+              </a:rPr>
               <a:t>を使用した進捗状況をページ上に乗せる</a:t>
             </a:r>
-            <a:endParaRPr kumimoji="1" lang="ja-JP" altLang="en-US" dirty="0"/>
+            <a:br>
+              <a:rPr lang="en-US" altLang="ja-JP" sz="4000" dirty="0">
+                <a:latin typeface="HGS創英角ｺﾞｼｯｸUB" panose="020B0900000000000000" pitchFamily="50" charset="-128"/>
+                <a:ea typeface="HGS創英角ｺﾞｼｯｸUB" panose="020B0900000000000000" pitchFamily="50" charset="-128"/>
+              </a:rPr>
+            </a:br>
+            <a:r>
+              <a:rPr lang="en-US" altLang="ja-JP" sz="4000" dirty="0">
+                <a:latin typeface="HGS創英角ｺﾞｼｯｸUB" panose="020B0900000000000000" pitchFamily="50" charset="-128"/>
+                <a:ea typeface="HGS創英角ｺﾞｼｯｸUB" panose="020B0900000000000000" pitchFamily="50" charset="-128"/>
+              </a:rPr>
+              <a:t>X</a:t>
+            </a:r>
+            <a:r>
+              <a:rPr lang="ja-JP" altLang="en-US" sz="4000" dirty="0">
+                <a:latin typeface="HGS創英角ｺﾞｼｯｸUB" panose="020B0900000000000000" pitchFamily="50" charset="-128"/>
+                <a:ea typeface="HGS創英角ｺﾞｼｯｸUB" panose="020B0900000000000000" pitchFamily="50" charset="-128"/>
+              </a:rPr>
+              <a:t>のタイムラインを</a:t>
+            </a:r>
+            <a:r>
+              <a:rPr lang="en-US" altLang="ja-JP" sz="4000" dirty="0">
+                <a:latin typeface="HGS創英角ｺﾞｼｯｸUB" panose="020B0900000000000000" pitchFamily="50" charset="-128"/>
+                <a:ea typeface="HGS創英角ｺﾞｼｯｸUB" panose="020B0900000000000000" pitchFamily="50" charset="-128"/>
+              </a:rPr>
+              <a:t>CSS</a:t>
+            </a:r>
+            <a:r>
+              <a:rPr lang="ja-JP" altLang="en-US" sz="4000" dirty="0">
+                <a:latin typeface="HGS創英角ｺﾞｼｯｸUB" panose="020B0900000000000000" pitchFamily="50" charset="-128"/>
+                <a:ea typeface="HGS創英角ｺﾞｼｯｸUB" panose="020B0900000000000000" pitchFamily="50" charset="-128"/>
+              </a:rPr>
+              <a:t>を使用して乗せたかった。</a:t>
+            </a:r>
+            <a:endParaRPr lang="en-US" altLang="ja-JP" sz="4000" dirty="0">
+              <a:latin typeface="HGS創英角ｺﾞｼｯｸUB" panose="020B0900000000000000" pitchFamily="50" charset="-128"/>
+              <a:ea typeface="HGS創英角ｺﾞｼｯｸUB" panose="020B0900000000000000" pitchFamily="50" charset="-128"/>
+            </a:endParaRPr>
           </a:p>
         </p:txBody>
       </p:sp>
@@ -14684,12 +14734,56 @@
             <p:ph idx="1"/>
           </p:nvPr>
         </p:nvSpPr>
-        <p:spPr/>
+        <p:spPr>
+          <a:xfrm>
+            <a:off x="1154954" y="2546689"/>
+            <a:ext cx="8825659" cy="3416300"/>
+          </a:xfrm>
+        </p:spPr>
         <p:txBody>
-          <a:bodyPr/>
+          <a:bodyPr>
+            <a:normAutofit/>
+          </a:bodyPr>
           <a:lstStyle/>
           <a:p>
-            <a:endParaRPr kumimoji="1" lang="ja-JP" altLang="en-US"/>
+            <a:r>
+              <a:rPr kumimoji="1" lang="ja-JP" altLang="en-US" sz="4000" dirty="0">
+                <a:latin typeface="HGS創英角ｺﾞｼｯｸUB" panose="020B0900000000000000" pitchFamily="50" charset="-128"/>
+                <a:ea typeface="HGS創英角ｺﾞｼｯｸUB" panose="020B0900000000000000" pitchFamily="50" charset="-128"/>
+              </a:rPr>
+              <a:t>アニメーションを利用した表現が難しく、苦戦してしまった。</a:t>
+            </a:r>
+            <a:endParaRPr kumimoji="1" lang="en-US" altLang="ja-JP" sz="4000" dirty="0">
+              <a:latin typeface="HGS創英角ｺﾞｼｯｸUB" panose="020B0900000000000000" pitchFamily="50" charset="-128"/>
+              <a:ea typeface="HGS創英角ｺﾞｼｯｸUB" panose="020B0900000000000000" pitchFamily="50" charset="-128"/>
+            </a:endParaRPr>
+          </a:p>
+          <a:p>
+            <a:r>
+              <a:rPr lang="ja-JP" altLang="en-US" sz="4000" dirty="0">
+                <a:latin typeface="HGS創英角ｺﾞｼｯｸUB" panose="020B0900000000000000" pitchFamily="50" charset="-128"/>
+                <a:ea typeface="HGS創英角ｺﾞｼｯｸUB" panose="020B0900000000000000" pitchFamily="50" charset="-128"/>
+              </a:rPr>
+              <a:t>アルバム</a:t>
+            </a:r>
+            <a:r>
+              <a:rPr lang="en-US" altLang="ja-JP" sz="4000" dirty="0">
+                <a:latin typeface="HGS創英角ｺﾞｼｯｸUB" panose="020B0900000000000000" pitchFamily="50" charset="-128"/>
+                <a:ea typeface="HGS創英角ｺﾞｼｯｸUB" panose="020B0900000000000000" pitchFamily="50" charset="-128"/>
+              </a:rPr>
+              <a:t>×WEB</a:t>
+            </a:r>
+            <a:r>
+              <a:rPr lang="ja-JP" altLang="en-US" sz="4000" dirty="0">
+                <a:latin typeface="HGS創英角ｺﾞｼｯｸUB" panose="020B0900000000000000" pitchFamily="50" charset="-128"/>
+                <a:ea typeface="HGS創英角ｺﾞｼｯｸUB" panose="020B0900000000000000" pitchFamily="50" charset="-128"/>
+              </a:rPr>
+              <a:t>ページでの表現の仕方に苦戦した。</a:t>
+            </a:r>
+            <a:endParaRPr kumimoji="1" lang="ja-JP" altLang="en-US" sz="4000" dirty="0">
+              <a:latin typeface="HGS創英角ｺﾞｼｯｸUB" panose="020B0900000000000000" pitchFamily="50" charset="-128"/>
+              <a:ea typeface="HGS創英角ｺﾞｼｯｸUB" panose="020B0900000000000000" pitchFamily="50" charset="-128"/>
+            </a:endParaRPr>
           </a:p>
         </p:txBody>
       </p:sp>

--- a/発表資料.pptx
+++ b/発表資料.pptx
@@ -9,9 +9,8 @@
     <p:sldId id="257" r:id="rId3"/>
     <p:sldId id="259" r:id="rId4"/>
     <p:sldId id="258" r:id="rId5"/>
-    <p:sldId id="260" r:id="rId6"/>
-    <p:sldId id="261" r:id="rId7"/>
-    <p:sldId id="262" r:id="rId8"/>
+    <p:sldId id="261" r:id="rId6"/>
+    <p:sldId id="262" r:id="rId7"/>
   </p:sldIdLst>
   <p:sldSz cx="12192000" cy="6858000"/>
   <p:notesSz cx="6858000" cy="9144000"/>
@@ -14058,7 +14057,7 @@
         </p:nvSpPr>
         <p:spPr>
           <a:xfrm>
-            <a:off x="913793" y="2753890"/>
+            <a:off x="1167793" y="2560850"/>
             <a:ext cx="10353762" cy="3045558"/>
           </a:xfrm>
           <a:effectLst/>
@@ -14080,11 +14079,11 @@
               <a:t>Web</a:t>
             </a:r>
             <a:r>
-              <a:rPr lang="ja-JP" altLang="en-US" sz="7200" b="1" dirty="0">
+              <a:rPr kumimoji="1" lang="ja-JP" altLang="en-US" sz="7200" b="1" dirty="0">
                 <a:latin typeface="HG創英角ｺﾞｼｯｸUB" panose="020B0909000000000000" pitchFamily="49" charset="-128"/>
                 <a:ea typeface="HG創英角ｺﾞｼｯｸUB" panose="020B0909000000000000" pitchFamily="49" charset="-128"/>
               </a:rPr>
-              <a:t>サイト</a:t>
+              <a:t>ページ</a:t>
             </a:r>
             <a:r>
               <a:rPr lang="ja-JP" altLang="en-US" sz="7200" dirty="0">
@@ -14100,6 +14099,42 @@
           </a:p>
         </p:txBody>
       </p:sp>
+      <p:pic>
+        <p:nvPicPr>
+          <p:cNvPr id="4" name="図 3">
+            <a:extLst>
+              <a:ext uri="{FF2B5EF4-FFF2-40B4-BE49-F238E27FC236}">
+                <a16:creationId xmlns:a16="http://schemas.microsoft.com/office/drawing/2014/main" id="{DAA875D3-D7DF-2A95-486A-9A9AE3AFF408}"/>
+              </a:ext>
+            </a:extLst>
+          </p:cNvPr>
+          <p:cNvPicPr>
+            <a:picLocks noChangeAspect="1"/>
+          </p:cNvPicPr>
+          <p:nvPr/>
+        </p:nvPicPr>
+        <p:blipFill>
+          <a:blip r:embed="rId2">
+            <a:extLst>
+              <a:ext uri="{28A0092B-C50C-407E-A947-70E740481C1C}">
+                <a14:useLocalDpi xmlns:a14="http://schemas.microsoft.com/office/drawing/2010/main" val="0"/>
+              </a:ext>
+            </a:extLst>
+          </a:blip>
+          <a:stretch>
+            <a:fillRect/>
+          </a:stretch>
+        </p:blipFill>
+        <p:spPr>
+          <a:xfrm>
+            <a:off x="10240895" y="4572000"/>
+            <a:ext cx="1118192" cy="1339152"/>
+          </a:xfrm>
+          <a:prstGeom prst="rect">
+            <a:avLst/>
+          </a:prstGeom>
+        </p:spPr>
+      </p:pic>
     </p:spTree>
     <p:extLst>
       <p:ext uri="{BB962C8B-B14F-4D97-AF65-F5344CB8AC3E}">
@@ -14336,6 +14371,42 @@
           </a:p>
         </p:txBody>
       </p:sp>
+      <p:pic>
+        <p:nvPicPr>
+          <p:cNvPr id="3" name="図 2">
+            <a:extLst>
+              <a:ext uri="{FF2B5EF4-FFF2-40B4-BE49-F238E27FC236}">
+                <a16:creationId xmlns:a16="http://schemas.microsoft.com/office/drawing/2014/main" id="{E0F89F2F-F002-A8B3-6C97-18B96BFA40EB}"/>
+              </a:ext>
+            </a:extLst>
+          </p:cNvPr>
+          <p:cNvPicPr>
+            <a:picLocks noChangeAspect="1"/>
+          </p:cNvPicPr>
+          <p:nvPr/>
+        </p:nvPicPr>
+        <p:blipFill>
+          <a:blip r:embed="rId3">
+            <a:extLst>
+              <a:ext uri="{28A0092B-C50C-407E-A947-70E740481C1C}">
+                <a14:useLocalDpi xmlns:a14="http://schemas.microsoft.com/office/drawing/2010/main" val="0"/>
+              </a:ext>
+            </a:extLst>
+          </a:blip>
+          <a:stretch>
+            <a:fillRect/>
+          </a:stretch>
+        </p:blipFill>
+        <p:spPr>
+          <a:xfrm>
+            <a:off x="9875135" y="4592320"/>
+            <a:ext cx="1118192" cy="1339152"/>
+          </a:xfrm>
+          <a:prstGeom prst="rect">
+            <a:avLst/>
+          </a:prstGeom>
+        </p:spPr>
+      </p:pic>
     </p:spTree>
     <p:extLst>
       <p:ext uri="{BB962C8B-B14F-4D97-AF65-F5344CB8AC3E}">
@@ -14499,6 +14570,42 @@
           </a:p>
         </p:txBody>
       </p:sp>
+      <p:pic>
+        <p:nvPicPr>
+          <p:cNvPr id="4" name="図 3">
+            <a:extLst>
+              <a:ext uri="{FF2B5EF4-FFF2-40B4-BE49-F238E27FC236}">
+                <a16:creationId xmlns:a16="http://schemas.microsoft.com/office/drawing/2014/main" id="{9ECDF07C-77F1-2B77-87B4-DBA0570BE0D7}"/>
+              </a:ext>
+            </a:extLst>
+          </p:cNvPr>
+          <p:cNvPicPr>
+            <a:picLocks noChangeAspect="1"/>
+          </p:cNvPicPr>
+          <p:nvPr/>
+        </p:nvPicPr>
+        <p:blipFill>
+          <a:blip r:embed="rId3">
+            <a:extLst>
+              <a:ext uri="{28A0092B-C50C-407E-A947-70E740481C1C}">
+                <a14:useLocalDpi xmlns:a14="http://schemas.microsoft.com/office/drawing/2010/main" val="0"/>
+              </a:ext>
+            </a:extLst>
+          </a:blip>
+          <a:stretch>
+            <a:fillRect/>
+          </a:stretch>
+        </p:blipFill>
+        <p:spPr>
+          <a:xfrm>
+            <a:off x="9961819" y="4680648"/>
+            <a:ext cx="1118192" cy="1339152"/>
+          </a:xfrm>
+          <a:prstGeom prst="rect">
+            <a:avLst/>
+          </a:prstGeom>
+        </p:spPr>
+      </p:pic>
     </p:spTree>
     <p:extLst>
       <p:ext uri="{BB962C8B-B14F-4D97-AF65-F5344CB8AC3E}">
@@ -14513,157 +14620,6 @@
 </file>
 
 <file path=ppt/slides/slide5.xml><?xml version="1.0" encoding="utf-8"?>
-<p:sld xmlns:a="http://schemas.openxmlformats.org/drawingml/2006/main" xmlns:r="http://schemas.openxmlformats.org/officeDocument/2006/relationships" xmlns:p="http://schemas.openxmlformats.org/presentationml/2006/main">
-  <p:cSld>
-    <p:spTree>
-      <p:nvGrpSpPr>
-        <p:cNvPr id="1" name=""/>
-        <p:cNvGrpSpPr/>
-        <p:nvPr/>
-      </p:nvGrpSpPr>
-      <p:grpSpPr>
-        <a:xfrm>
-          <a:off x="0" y="0"/>
-          <a:ext cx="0" cy="0"/>
-          <a:chOff x="0" y="0"/>
-          <a:chExt cx="0" cy="0"/>
-        </a:xfrm>
-      </p:grpSpPr>
-      <p:sp>
-        <p:nvSpPr>
-          <p:cNvPr id="2" name="タイトル 1">
-            <a:extLst>
-              <a:ext uri="{FF2B5EF4-FFF2-40B4-BE49-F238E27FC236}">
-                <a16:creationId xmlns:a16="http://schemas.microsoft.com/office/drawing/2014/main" id="{87CCB980-0261-AACD-3ECB-E46B7823F5E0}"/>
-              </a:ext>
-            </a:extLst>
-          </p:cNvPr>
-          <p:cNvSpPr>
-            <a:spLocks noGrp="1"/>
-          </p:cNvSpPr>
-          <p:nvPr>
-            <p:ph type="title"/>
-          </p:nvPr>
-        </p:nvSpPr>
-        <p:spPr/>
-        <p:txBody>
-          <a:bodyPr/>
-          <a:lstStyle/>
-          <a:p>
-            <a:r>
-              <a:rPr kumimoji="1" lang="en-US" altLang="ja-JP" sz="4800" dirty="0">
-                <a:latin typeface="HG創英角ｺﾞｼｯｸUB" panose="020B0909000000000000" pitchFamily="49" charset="-128"/>
-                <a:ea typeface="HG創英角ｺﾞｼｯｸUB" panose="020B0909000000000000" pitchFamily="49" charset="-128"/>
-              </a:rPr>
-              <a:t>4.</a:t>
-            </a:r>
-            <a:r>
-              <a:rPr kumimoji="1" lang="ja-JP" altLang="en-US" sz="4800" dirty="0">
-                <a:latin typeface="HG創英角ｺﾞｼｯｸUB" panose="020B0909000000000000" pitchFamily="49" charset="-128"/>
-                <a:ea typeface="HG創英角ｺﾞｼｯｸUB" panose="020B0909000000000000" pitchFamily="49" charset="-128"/>
-              </a:rPr>
-              <a:t>実装できなかった機能</a:t>
-            </a:r>
-          </a:p>
-        </p:txBody>
-      </p:sp>
-      <p:sp>
-        <p:nvSpPr>
-          <p:cNvPr id="3" name="コンテンツ プレースホルダー 2">
-            <a:extLst>
-              <a:ext uri="{FF2B5EF4-FFF2-40B4-BE49-F238E27FC236}">
-                <a16:creationId xmlns:a16="http://schemas.microsoft.com/office/drawing/2014/main" id="{3652153D-D4A0-0816-C4B1-C799E562EDED}"/>
-              </a:ext>
-            </a:extLst>
-          </p:cNvPr>
-          <p:cNvSpPr>
-            <a:spLocks noGrp="1"/>
-          </p:cNvSpPr>
-          <p:nvPr>
-            <p:ph idx="1"/>
-          </p:nvPr>
-        </p:nvSpPr>
-        <p:spPr>
-          <a:xfrm>
-            <a:off x="783954" y="2468032"/>
-            <a:ext cx="10624091" cy="3416300"/>
-          </a:xfrm>
-        </p:spPr>
-        <p:txBody>
-          <a:bodyPr>
-            <a:normAutofit/>
-          </a:bodyPr>
-          <a:lstStyle/>
-          <a:p>
-            <a:r>
-              <a:rPr kumimoji="1" lang="en-US" altLang="ja-JP" sz="4000" dirty="0">
-                <a:latin typeface="HGS創英角ｺﾞｼｯｸUB" panose="020B0900000000000000" pitchFamily="50" charset="-128"/>
-                <a:ea typeface="HGS創英角ｺﾞｼｯｸUB" panose="020B0900000000000000" pitchFamily="50" charset="-128"/>
-              </a:rPr>
-              <a:t>SNS</a:t>
-            </a:r>
-            <a:r>
-              <a:rPr lang="ja-JP" altLang="en-US" sz="4000" dirty="0">
-                <a:latin typeface="HGS創英角ｺﾞｼｯｸUB" panose="020B0900000000000000" pitchFamily="50" charset="-128"/>
-                <a:ea typeface="HGS創英角ｺﾞｼｯｸUB" panose="020B0900000000000000" pitchFamily="50" charset="-128"/>
-              </a:rPr>
-              <a:t>を使用した進捗状況をページ上に乗せる</a:t>
-            </a:r>
-            <a:br>
-              <a:rPr lang="en-US" altLang="ja-JP" sz="4000" dirty="0">
-                <a:latin typeface="HGS創英角ｺﾞｼｯｸUB" panose="020B0900000000000000" pitchFamily="50" charset="-128"/>
-                <a:ea typeface="HGS創英角ｺﾞｼｯｸUB" panose="020B0900000000000000" pitchFamily="50" charset="-128"/>
-              </a:rPr>
-            </a:br>
-            <a:r>
-              <a:rPr lang="en-US" altLang="ja-JP" sz="4000" dirty="0">
-                <a:latin typeface="HGS創英角ｺﾞｼｯｸUB" panose="020B0900000000000000" pitchFamily="50" charset="-128"/>
-                <a:ea typeface="HGS創英角ｺﾞｼｯｸUB" panose="020B0900000000000000" pitchFamily="50" charset="-128"/>
-              </a:rPr>
-              <a:t>X</a:t>
-            </a:r>
-            <a:r>
-              <a:rPr lang="ja-JP" altLang="en-US" sz="4000" dirty="0">
-                <a:latin typeface="HGS創英角ｺﾞｼｯｸUB" panose="020B0900000000000000" pitchFamily="50" charset="-128"/>
-                <a:ea typeface="HGS創英角ｺﾞｼｯｸUB" panose="020B0900000000000000" pitchFamily="50" charset="-128"/>
-              </a:rPr>
-              <a:t>のタイムラインを</a:t>
-            </a:r>
-            <a:r>
-              <a:rPr lang="en-US" altLang="ja-JP" sz="4000" dirty="0">
-                <a:latin typeface="HGS創英角ｺﾞｼｯｸUB" panose="020B0900000000000000" pitchFamily="50" charset="-128"/>
-                <a:ea typeface="HGS創英角ｺﾞｼｯｸUB" panose="020B0900000000000000" pitchFamily="50" charset="-128"/>
-              </a:rPr>
-              <a:t>CSS</a:t>
-            </a:r>
-            <a:r>
-              <a:rPr lang="ja-JP" altLang="en-US" sz="4000" dirty="0">
-                <a:latin typeface="HGS創英角ｺﾞｼｯｸUB" panose="020B0900000000000000" pitchFamily="50" charset="-128"/>
-                <a:ea typeface="HGS創英角ｺﾞｼｯｸUB" panose="020B0900000000000000" pitchFamily="50" charset="-128"/>
-              </a:rPr>
-              <a:t>を使用して乗せたかった。</a:t>
-            </a:r>
-            <a:endParaRPr lang="en-US" altLang="ja-JP" sz="4000" dirty="0">
-              <a:latin typeface="HGS創英角ｺﾞｼｯｸUB" panose="020B0900000000000000" pitchFamily="50" charset="-128"/>
-              <a:ea typeface="HGS創英角ｺﾞｼｯｸUB" panose="020B0900000000000000" pitchFamily="50" charset="-128"/>
-            </a:endParaRPr>
-          </a:p>
-        </p:txBody>
-      </p:sp>
-    </p:spTree>
-    <p:extLst>
-      <p:ext uri="{BB962C8B-B14F-4D97-AF65-F5344CB8AC3E}">
-        <p14:creationId xmlns:p14="http://schemas.microsoft.com/office/powerpoint/2010/main" val="335085321"/>
-      </p:ext>
-    </p:extLst>
-  </p:cSld>
-  <p:clrMapOvr>
-    <a:masterClrMapping/>
-  </p:clrMapOvr>
-</p:sld>
-</file>
-
-<file path=ppt/slides/slide6.xml><?xml version="1.0" encoding="utf-8"?>
 <p:sld xmlns:a="http://schemas.openxmlformats.org/drawingml/2006/main" xmlns:r="http://schemas.openxmlformats.org/officeDocument/2006/relationships" xmlns:p="http://schemas.openxmlformats.org/presentationml/2006/main">
   <p:cSld>
     <p:spTree>
@@ -14702,11 +14658,18 @@
           <a:lstStyle/>
           <a:p>
             <a:r>
+              <a:rPr lang="en-US" altLang="ja-JP" sz="4800" dirty="0">
+                <a:latin typeface="HGP創英角ｺﾞｼｯｸUB" panose="020B0900000000000000" pitchFamily="50" charset="-128"/>
+                <a:ea typeface="HGP創英角ｺﾞｼｯｸUB" panose="020B0900000000000000" pitchFamily="50" charset="-128"/>
+              </a:rPr>
+              <a:t>4</a:t>
+            </a:r>
+            <a:r>
               <a:rPr kumimoji="1" lang="en-US" altLang="ja-JP" sz="4800" dirty="0">
                 <a:latin typeface="HGP創英角ｺﾞｼｯｸUB" panose="020B0900000000000000" pitchFamily="50" charset="-128"/>
                 <a:ea typeface="HGP創英角ｺﾞｼｯｸUB" panose="020B0900000000000000" pitchFamily="50" charset="-128"/>
               </a:rPr>
-              <a:t>5.</a:t>
+              <a:t>.</a:t>
             </a:r>
             <a:r>
               <a:rPr kumimoji="1" lang="ja-JP" altLang="en-US" sz="4800" dirty="0">
@@ -14787,6 +14750,42 @@
           </a:p>
         </p:txBody>
       </p:sp>
+      <p:pic>
+        <p:nvPicPr>
+          <p:cNvPr id="4" name="図 3">
+            <a:extLst>
+              <a:ext uri="{FF2B5EF4-FFF2-40B4-BE49-F238E27FC236}">
+                <a16:creationId xmlns:a16="http://schemas.microsoft.com/office/drawing/2014/main" id="{C2EF54E8-E3E3-0A4D-C19E-055A1BB5CA12}"/>
+              </a:ext>
+            </a:extLst>
+          </p:cNvPr>
+          <p:cNvPicPr>
+            <a:picLocks noChangeAspect="1"/>
+          </p:cNvPicPr>
+          <p:nvPr/>
+        </p:nvPicPr>
+        <p:blipFill>
+          <a:blip r:embed="rId2">
+            <a:extLst>
+              <a:ext uri="{28A0092B-C50C-407E-A947-70E740481C1C}">
+                <a14:useLocalDpi xmlns:a14="http://schemas.microsoft.com/office/drawing/2010/main" val="0"/>
+              </a:ext>
+            </a:extLst>
+          </a:blip>
+          <a:stretch>
+            <a:fillRect/>
+          </a:stretch>
+        </p:blipFill>
+        <p:spPr>
+          <a:xfrm>
+            <a:off x="9864975" y="4663440"/>
+            <a:ext cx="1118192" cy="1339152"/>
+          </a:xfrm>
+          <a:prstGeom prst="rect">
+            <a:avLst/>
+          </a:prstGeom>
+        </p:spPr>
+      </p:pic>
     </p:spTree>
     <p:extLst>
       <p:ext uri="{BB962C8B-B14F-4D97-AF65-F5344CB8AC3E}">
@@ -14800,7 +14799,7 @@
 </p:sld>
 </file>
 
-<file path=ppt/slides/slide7.xml><?xml version="1.0" encoding="utf-8"?>
+<file path=ppt/slides/slide6.xml><?xml version="1.0" encoding="utf-8"?>
 <p:sld xmlns:a="http://schemas.openxmlformats.org/drawingml/2006/main" xmlns:r="http://schemas.openxmlformats.org/officeDocument/2006/relationships" xmlns:p="http://schemas.openxmlformats.org/presentationml/2006/main">
   <p:cSld>
     <p:spTree>

--- a/発表資料.pptx
+++ b/発表資料.pptx
@@ -13803,7 +13803,7 @@
         </p:blipFill>
         <p:spPr>
           <a:xfrm>
-            <a:off x="474133" y="475488"/>
+            <a:off x="474133" y="495152"/>
             <a:ext cx="11243734" cy="5909733"/>
           </a:xfrm>
           <a:prstGeom prst="rect">
@@ -13878,7 +13878,7 @@
           <a:lstStyle/>
           <a:p>
             <a:r>
-              <a:rPr kumimoji="1" lang="ja-JP" altLang="en-US" dirty="0">
+              <a:rPr kumimoji="1" lang="ja-JP" altLang="en-US" sz="4000" dirty="0">
                 <a:solidFill>
                   <a:schemeClr val="bg1"/>
                 </a:solidFill>
@@ -13960,6 +13960,18 @@
   <p:clrMapOvr>
     <a:masterClrMapping/>
   </p:clrMapOvr>
+  <mc:AlternateContent xmlns:mc="http://schemas.openxmlformats.org/markup-compatibility/2006">
+    <mc:Choice xmlns:p14="http://schemas.microsoft.com/office/powerpoint/2010/main" Requires="p14">
+      <p:transition spd="med" p14:dur="700">
+        <p:fade/>
+      </p:transition>
+    </mc:Choice>
+    <mc:Fallback>
+      <p:transition spd="med">
+        <p:fade/>
+      </p:transition>
+    </mc:Fallback>
+  </mc:AlternateContent>
 </p:sld>
 </file>
 
@@ -14145,6 +14157,18 @@
   <p:clrMapOvr>
     <a:overrideClrMapping bg1="lt1" tx1="dk1" bg2="lt2" tx2="dk2" accent1="accent1" accent2="accent2" accent3="accent3" accent4="accent4" accent5="accent5" accent6="accent6" hlink="hlink" folHlink="folHlink"/>
   </p:clrMapOvr>
+  <mc:AlternateContent xmlns:mc="http://schemas.openxmlformats.org/markup-compatibility/2006">
+    <mc:Choice xmlns:p14="http://schemas.microsoft.com/office/powerpoint/2010/main" Requires="p14">
+      <p:transition spd="med" p14:dur="700">
+        <p:fade/>
+      </p:transition>
+    </mc:Choice>
+    <mc:Fallback>
+      <p:transition spd="med">
+        <p:fade/>
+      </p:transition>
+    </mc:Fallback>
+  </mc:AlternateContent>
 </p:sld>
 </file>
 
@@ -14417,6 +14441,18 @@
   <p:clrMapOvr>
     <a:masterClrMapping/>
   </p:clrMapOvr>
+  <mc:AlternateContent xmlns:mc="http://schemas.openxmlformats.org/markup-compatibility/2006">
+    <mc:Choice xmlns:p14="http://schemas.microsoft.com/office/powerpoint/2010/main" Requires="p14">
+      <p:transition spd="med" p14:dur="700">
+        <p:fade/>
+      </p:transition>
+    </mc:Choice>
+    <mc:Fallback>
+      <p:transition spd="med">
+        <p:fade/>
+      </p:transition>
+    </mc:Fallback>
+  </mc:AlternateContent>
 </p:sld>
 </file>
 
@@ -14616,6 +14652,18 @@
   <p:clrMapOvr>
     <a:masterClrMapping/>
   </p:clrMapOvr>
+  <mc:AlternateContent xmlns:mc="http://schemas.openxmlformats.org/markup-compatibility/2006">
+    <mc:Choice xmlns:p14="http://schemas.microsoft.com/office/powerpoint/2010/main" Requires="p14">
+      <p:transition spd="med" p14:dur="700">
+        <p:fade/>
+      </p:transition>
+    </mc:Choice>
+    <mc:Fallback>
+      <p:transition spd="med">
+        <p:fade/>
+      </p:transition>
+    </mc:Fallback>
+  </mc:AlternateContent>
 </p:sld>
 </file>
 
@@ -14796,6 +14844,18 @@
   <p:clrMapOvr>
     <a:masterClrMapping/>
   </p:clrMapOvr>
+  <mc:AlternateContent xmlns:mc="http://schemas.openxmlformats.org/markup-compatibility/2006">
+    <mc:Choice xmlns:p14="http://schemas.microsoft.com/office/powerpoint/2010/main" Requires="p14">
+      <p:transition spd="med" p14:dur="700">
+        <p:fade/>
+      </p:transition>
+    </mc:Choice>
+    <mc:Fallback>
+      <p:transition spd="med">
+        <p:fade/>
+      </p:transition>
+    </mc:Fallback>
+  </mc:AlternateContent>
 </p:sld>
 </file>
 
@@ -14908,6 +14968,18 @@
   <p:clrMapOvr>
     <a:masterClrMapping/>
   </p:clrMapOvr>
+  <mc:AlternateContent xmlns:mc="http://schemas.openxmlformats.org/markup-compatibility/2006">
+    <mc:Choice xmlns:p14="http://schemas.microsoft.com/office/powerpoint/2010/main" Requires="p14">
+      <p:transition spd="med" p14:dur="700">
+        <p:fade/>
+      </p:transition>
+    </mc:Choice>
+    <mc:Fallback>
+      <p:transition spd="med">
+        <p:fade/>
+      </p:transition>
+    </mc:Fallback>
+  </mc:AlternateContent>
 </p:sld>
 </file>
 
